--- a/lib/covidapp/Assets/Long_Covid_App_Poster.pptx
+++ b/lib/covidapp/Assets/Long_Covid_App_Poster.pptx
@@ -239,7 +239,7 @@
             <a:fld id="{58467270-D8F1-4898-95C1-7E69E31A334E}" type="datetimeFigureOut">
               <a:rPr lang="de-DE" smtClean="0"/>
               <a:pPr/>
-              <a:t>28.02.22</a:t>
+              <a:t>22.03.22</a:t>
             </a:fld>
             <a:endParaRPr lang="en-GB"/>
           </a:p>
@@ -1448,78 +1448,6 @@
           <a:chExt cx="0" cy="0"/>
         </a:xfrm>
       </p:grpSpPr>
-      <p:pic>
-        <p:nvPicPr>
-          <p:cNvPr id="18" name="Grafik 17">
-            <a:extLst>
-              <a:ext uri="{FF2B5EF4-FFF2-40B4-BE49-F238E27FC236}">
-                <a16:creationId xmlns:a16="http://schemas.microsoft.com/office/drawing/2014/main" id="{C155C4BD-FA0D-CC43-A15B-BFB59CAAA03A}"/>
-              </a:ext>
-            </a:extLst>
-          </p:cNvPr>
-          <p:cNvPicPr>
-            <a:picLocks noChangeAspect="1"/>
-          </p:cNvPicPr>
-          <p:nvPr/>
-        </p:nvPicPr>
-        <p:blipFill rotWithShape="1">
-          <a:blip r:embed="rId3"/>
-          <a:srcRect t="7793"/>
-          <a:stretch/>
-        </p:blipFill>
-        <p:spPr>
-          <a:xfrm>
-            <a:off x="9955411" y="16071541"/>
-            <a:ext cx="7919999" cy="7860526"/>
-          </a:xfrm>
-          <a:prstGeom prst="rect">
-            <a:avLst/>
-          </a:prstGeom>
-        </p:spPr>
-      </p:pic>
-      <p:sp>
-        <p:nvSpPr>
-          <p:cNvPr id="14345" name="Rectangle 15"/>
-          <p:cNvSpPr>
-            <a:spLocks noChangeArrowheads="1"/>
-          </p:cNvSpPr>
-          <p:nvPr/>
-        </p:nvSpPr>
-        <p:spPr bwMode="auto">
-          <a:xfrm>
-            <a:off x="1220351" y="26754866"/>
-            <a:ext cx="7920000" cy="7920000"/>
-          </a:xfrm>
-          <a:prstGeom prst="rect">
-            <a:avLst/>
-          </a:prstGeom>
-          <a:solidFill>
-            <a:srgbClr val="EDEDD6"/>
-          </a:solidFill>
-          <a:ln>
-            <a:noFill/>
-          </a:ln>
-          <a:extLst>
-            <a:ext uri="{91240B29-F687-4F45-9708-019B960494DF}">
-              <a14:hiddenLine xmlns:a14="http://schemas.microsoft.com/office/drawing/2010/main" w="9525">
-                <a:solidFill>
-                  <a:srgbClr val="000000"/>
-                </a:solidFill>
-                <a:miter lim="800000"/>
-                <a:headEnd/>
-                <a:tailEnd/>
-              </a14:hiddenLine>
-            </a:ext>
-          </a:extLst>
-        </p:spPr>
-        <p:txBody>
-          <a:bodyPr wrap="none" lIns="366171" tIns="183086" rIns="366171" bIns="183086" anchor="ctr"/>
-          <a:lstStyle/>
-          <a:p>
-            <a:endParaRPr lang="de-DE"/>
-          </a:p>
-        </p:txBody>
-      </p:sp>
       <p:sp>
         <p:nvSpPr>
           <p:cNvPr id="14338" name="Text Box 6"/>
@@ -1531,7 +1459,7 @@
         <p:spPr bwMode="auto">
           <a:xfrm>
             <a:off x="915264" y="1424198"/>
-            <a:ext cx="17695099" cy="1232662"/>
+            <a:ext cx="17695099" cy="1293078"/>
           </a:xfrm>
           <a:prstGeom prst="rect">
             <a:avLst/>
@@ -1673,17 +1601,14 @@
           </a:lstStyle>
           <a:p>
             <a:r>
-              <a:rPr lang="de-AT" sz="5600" b="1" i="0" dirty="0"/>
-              <a:t>Institute </a:t>
-            </a:r>
-            <a:r>
-              <a:rPr lang="de-AT" sz="5600" b="1" i="0" dirty="0" err="1"/>
-              <a:t>of</a:t>
-            </a:r>
-            <a:r>
-              <a:rPr lang="de-AT" sz="5600" b="1" i="0" dirty="0"/>
-              <a:t> eHealth</a:t>
-            </a:r>
+              <a:rPr lang="de-AT" sz="6000" b="1" dirty="0"/>
+              <a:t>Studiengang </a:t>
+            </a:r>
+            <a:r>
+              <a:rPr lang="de-AT" sz="6000" b="1" dirty="0" err="1"/>
+              <a:t>eHealth</a:t>
+            </a:r>
+            <a:endParaRPr lang="de-AT" sz="5600" b="1" i="0" dirty="0"/>
           </a:p>
         </p:txBody>
       </p:sp>
@@ -1870,8 +1795,12 @@
               <a:rPr lang="de-DE" sz="6400" b="1" i="0" dirty="0"/>
             </a:br>
             <a:r>
+              <a:rPr lang="de-AT" sz="6600" b="1" dirty="0"/>
+              <a:t>Betreuer</a:t>
+            </a:r>
+            <a:r>
               <a:rPr lang="de-DE" sz="6400" b="1" i="0" dirty="0"/>
-              <a:t>Supervisor: DI Dr. Sten</a:t>
+              <a:t>: DI Dr. Sten</a:t>
             </a:r>
             <a:r>
               <a:rPr lang="de-AT" sz="6400" b="1" i="0" dirty="0"/>
@@ -2040,9 +1969,8 @@
             </a:pPr>
             <a:r>
               <a:rPr lang="de-AT" sz="4000" b="1" i="0" dirty="0"/>
-              <a:t>BACKGROUND &amp; OBJECTIVE</a:t>
-            </a:r>
-            <a:endParaRPr lang="de-AT" sz="4000" i="0" dirty="0"/>
+              <a:t>HINTERGRUND UND ZIELSETZUNG</a:t>
+            </a:r>
           </a:p>
           <a:p>
             <a:pPr>
@@ -2064,7 +1992,7 @@
             </a:pPr>
             <a:r>
               <a:rPr lang="de-AT" sz="4000" b="1" i="0" dirty="0"/>
-              <a:t>RESEARCH DESIGN / METHODOLGY</a:t>
+              <a:t>FORSCHUNGSDESIGN / METHODIK</a:t>
             </a:r>
           </a:p>
           <a:p>
@@ -2086,7 +2014,7 @@
             </a:pPr>
             <a:r>
               <a:rPr lang="de-AT" sz="4000" b="1" i="0" dirty="0"/>
-              <a:t>RESULTS / DISSCUSION</a:t>
+              <a:t>ERGEBNISSE / DISSKUSION</a:t>
             </a:r>
           </a:p>
           <a:p>
@@ -2108,9 +2036,8 @@
             </a:pPr>
             <a:r>
               <a:rPr lang="de-AT" sz="4000" b="1" i="0" dirty="0"/>
-              <a:t>PERSPECTIVES / IMPLICATIONS</a:t>
-            </a:r>
-            <a:endParaRPr lang="de-DE" sz="4000" b="1" i="0" dirty="0"/>
+              <a:t>PERSPEKTIVEN/IMPLIKATIONEN</a:t>
+            </a:r>
           </a:p>
           <a:p>
             <a:pPr>
@@ -2137,7 +2064,7 @@
         <p:spPr bwMode="auto">
           <a:xfrm>
             <a:off x="1010606" y="41880255"/>
-            <a:ext cx="29269369" cy="615969"/>
+            <a:ext cx="29269369" cy="647837"/>
           </a:xfrm>
           <a:prstGeom prst="rect">
             <a:avLst/>
@@ -2291,15 +2218,23 @@
             </a:pPr>
             <a:r>
               <a:rPr lang="de-DE" sz="3200" b="1" i="0" dirty="0"/>
-              <a:t>eHealth (Master)	Head </a:t>
+              <a:t>eHealth (Master)	</a:t>
+            </a:r>
+            <a:r>
+              <a:rPr lang="de-AT" sz="3200" b="1" dirty="0" err="1"/>
+              <a:t>Studiengangsleitung</a:t>
+            </a:r>
+            <a:r>
+              <a:rPr lang="de-AT" sz="3200" dirty="0"/>
+              <a:t>: </a:t>
             </a:r>
             <a:r>
               <a:rPr lang="de-DE" sz="3200" b="1" i="0" dirty="0" err="1"/>
-              <a:t>of</a:t>
+              <a:t>robert.mischak@fh-joanneum.at</a:t>
             </a:r>
             <a:r>
               <a:rPr lang="de-DE" sz="3200" b="1" i="0" dirty="0"/>
-              <a:t> Institute: robert.mischak@fh-joanneum.at </a:t>
+              <a:t> </a:t>
             </a:r>
           </a:p>
         </p:txBody>
@@ -2315,7 +2250,7 @@
         <p:spPr bwMode="auto">
           <a:xfrm>
             <a:off x="901841" y="36076050"/>
-            <a:ext cx="17084923" cy="4986396"/>
+            <a:ext cx="17084923" cy="6079003"/>
           </a:xfrm>
           <a:prstGeom prst="rect">
             <a:avLst/>
@@ -2470,35 +2405,192 @@
             </a:r>
           </a:p>
           <a:p>
-            <a:pPr>
-              <a:spcBef>
-                <a:spcPts val="0"/>
-              </a:spcBef>
-              <a:spcAft>
-                <a:spcPts val="600"/>
-              </a:spcAft>
-            </a:pPr>
-            <a:r>
-              <a:rPr lang="en-US" sz="4000" dirty="0">
-                <a:hlinkClick r:id="rId4"/>
-              </a:rPr>
-              <a:t>https://www.rki.de/SharedDocs/FAQ/NCOV2019/FAQ_Liste_Gesundheitliche_Langzeitfolgen.html</a:t>
-            </a:r>
-            <a:endParaRPr lang="en-US" sz="4000" dirty="0"/>
-          </a:p>
-          <a:p>
-            <a:pPr>
-              <a:spcBef>
-                <a:spcPct val="50000"/>
-              </a:spcBef>
-            </a:pPr>
-            <a:r>
-              <a:rPr lang="de-DE" sz="4000" dirty="0">
-                <a:hlinkClick r:id="rId5"/>
-              </a:rPr>
-              <a:t>https://www.who.int/publications/i/item/WHO-2019-nCoV-Post_COVID-19_condition-Clinical_case_definition-2021.1</a:t>
-            </a:r>
-            <a:endParaRPr lang="de-DE" sz="4000" dirty="0"/>
+            <a:r>
+              <a:rPr lang="de-AT" sz="3200" dirty="0"/>
+              <a:t>Gesundheitliche Langzeitfolgen </a:t>
+            </a:r>
+            <a:r>
+              <a:rPr lang="de-AT" sz="3200" dirty="0" err="1"/>
+              <a:t>Covid</a:t>
+            </a:r>
+            <a:r>
+              <a:rPr lang="de-AT" sz="3200" dirty="0"/>
+              <a:t>. Robert Koch Institut . (</a:t>
+            </a:r>
+            <a:r>
+              <a:rPr lang="de-AT" sz="3200" dirty="0" err="1"/>
+              <a:t>n.d</a:t>
+            </a:r>
+            <a:r>
+              <a:rPr lang="de-AT" sz="3200" dirty="0"/>
+              <a:t>.). </a:t>
+            </a:r>
+            <a:r>
+              <a:rPr lang="de-AT" sz="3200" dirty="0" err="1"/>
+              <a:t>Retrieved</a:t>
+            </a:r>
+            <a:r>
+              <a:rPr lang="de-AT" sz="3200" dirty="0"/>
+              <a:t> March 22, 2022, von https://</a:t>
+            </a:r>
+            <a:r>
+              <a:rPr lang="de-AT" sz="3200" dirty="0" err="1"/>
+              <a:t>www.rki.de</a:t>
+            </a:r>
+            <a:r>
+              <a:rPr lang="de-AT" sz="3200" dirty="0"/>
+              <a:t>/</a:t>
+            </a:r>
+            <a:r>
+              <a:rPr lang="de-AT" sz="3200" dirty="0" err="1"/>
+              <a:t>SharedDocs</a:t>
+            </a:r>
+            <a:r>
+              <a:rPr lang="de-AT" sz="3200" dirty="0"/>
+              <a:t>/FAQ/NCOV2019/</a:t>
+            </a:r>
+            <a:r>
+              <a:rPr lang="de-AT" sz="3200" dirty="0" err="1"/>
+              <a:t>FAQ_Liste_Gesundheitliche_Langzeitfolgen.html</a:t>
+            </a:r>
+            <a:r>
+              <a:rPr lang="de-AT" sz="3200" dirty="0"/>
+              <a:t> </a:t>
+            </a:r>
+          </a:p>
+          <a:p>
+            <a:r>
+              <a:rPr lang="de-AT" sz="3200" dirty="0"/>
+              <a:t>World </a:t>
+            </a:r>
+            <a:r>
+              <a:rPr lang="de-AT" sz="3200" dirty="0" err="1"/>
+              <a:t>Health</a:t>
+            </a:r>
+            <a:r>
+              <a:rPr lang="de-AT" sz="3200" dirty="0"/>
+              <a:t> </a:t>
+            </a:r>
+            <a:r>
+              <a:rPr lang="de-AT" sz="3200" dirty="0" err="1"/>
+              <a:t>Organization</a:t>
+            </a:r>
+            <a:r>
+              <a:rPr lang="de-AT" sz="3200" dirty="0"/>
+              <a:t>. (</a:t>
+            </a:r>
+            <a:r>
+              <a:rPr lang="de-AT" sz="3200" dirty="0" err="1"/>
+              <a:t>n.d</a:t>
+            </a:r>
+            <a:r>
+              <a:rPr lang="de-AT" sz="3200" dirty="0"/>
+              <a:t>.). A </a:t>
+            </a:r>
+            <a:r>
+              <a:rPr lang="de-AT" sz="3200" dirty="0" err="1"/>
+              <a:t>clinical</a:t>
+            </a:r>
+            <a:r>
+              <a:rPr lang="de-AT" sz="3200" dirty="0"/>
+              <a:t> </a:t>
+            </a:r>
+            <a:r>
+              <a:rPr lang="de-AT" sz="3200" dirty="0" err="1"/>
+              <a:t>case</a:t>
+            </a:r>
+            <a:r>
+              <a:rPr lang="de-AT" sz="3200" dirty="0"/>
+              <a:t> </a:t>
+            </a:r>
+            <a:r>
+              <a:rPr lang="de-AT" sz="3200" dirty="0" err="1"/>
+              <a:t>definition</a:t>
+            </a:r>
+            <a:r>
+              <a:rPr lang="de-AT" sz="3200" dirty="0"/>
+              <a:t> </a:t>
+            </a:r>
+            <a:r>
+              <a:rPr lang="de-AT" sz="3200" dirty="0" err="1"/>
+              <a:t>of</a:t>
+            </a:r>
+            <a:r>
+              <a:rPr lang="de-AT" sz="3200" dirty="0"/>
+              <a:t> </a:t>
+            </a:r>
+            <a:r>
+              <a:rPr lang="de-AT" sz="3200" dirty="0" err="1"/>
+              <a:t>post</a:t>
+            </a:r>
+            <a:r>
+              <a:rPr lang="de-AT" sz="3200" dirty="0"/>
+              <a:t> covid-19 </a:t>
+            </a:r>
+            <a:r>
+              <a:rPr lang="de-AT" sz="3200" dirty="0" err="1"/>
+              <a:t>condition</a:t>
+            </a:r>
+            <a:r>
+              <a:rPr lang="de-AT" sz="3200" dirty="0"/>
+              <a:t> </a:t>
+            </a:r>
+            <a:r>
+              <a:rPr lang="de-AT" sz="3200" dirty="0" err="1"/>
+              <a:t>by</a:t>
+            </a:r>
+            <a:r>
+              <a:rPr lang="de-AT" sz="3200" dirty="0"/>
+              <a:t> a Delphi Consensus, 6 </a:t>
+            </a:r>
+            <a:r>
+              <a:rPr lang="de-AT" sz="3200" dirty="0" err="1"/>
+              <a:t>October</a:t>
+            </a:r>
+            <a:r>
+              <a:rPr lang="de-AT" sz="3200" dirty="0"/>
+              <a:t> 2021. World </a:t>
+            </a:r>
+            <a:r>
+              <a:rPr lang="de-AT" sz="3200" dirty="0" err="1"/>
+              <a:t>Health</a:t>
+            </a:r>
+            <a:r>
+              <a:rPr lang="de-AT" sz="3200" dirty="0"/>
+              <a:t> </a:t>
+            </a:r>
+            <a:r>
+              <a:rPr lang="de-AT" sz="3200" dirty="0" err="1"/>
+              <a:t>Organization</a:t>
+            </a:r>
+            <a:r>
+              <a:rPr lang="de-AT" sz="3200" dirty="0"/>
+              <a:t>. </a:t>
+            </a:r>
+            <a:r>
+              <a:rPr lang="de-AT" sz="3200" dirty="0" err="1"/>
+              <a:t>Retrieved</a:t>
+            </a:r>
+            <a:r>
+              <a:rPr lang="de-AT" sz="3200" dirty="0"/>
+              <a:t> March 22, 2022, von https://</a:t>
+            </a:r>
+            <a:r>
+              <a:rPr lang="de-AT" sz="3200" dirty="0" err="1"/>
+              <a:t>www.who.int</a:t>
+            </a:r>
+            <a:r>
+              <a:rPr lang="de-AT" sz="3200" dirty="0"/>
+              <a:t>/</a:t>
+            </a:r>
+            <a:r>
+              <a:rPr lang="de-AT" sz="3200" dirty="0" err="1"/>
+              <a:t>publications</a:t>
+            </a:r>
+            <a:r>
+              <a:rPr lang="de-AT" sz="3200" dirty="0"/>
+              <a:t>/i/item/WHO-2019-nCoV-Post_COVID-19_condition-Clinical_case_definition-2021.1 </a:t>
+            </a:r>
           </a:p>
           <a:p>
             <a:pPr>
@@ -3184,14 +3276,14 @@
           <p:nvPr/>
         </p:nvPicPr>
         <p:blipFill rotWithShape="1">
-          <a:blip r:embed="rId6"/>
+          <a:blip r:embed="rId3"/>
           <a:srcRect b="2064"/>
           <a:stretch/>
         </p:blipFill>
         <p:spPr>
           <a:xfrm>
-            <a:off x="9992459" y="26673476"/>
-            <a:ext cx="7875295" cy="7971508"/>
+            <a:off x="9739946" y="25347703"/>
+            <a:ext cx="7214234" cy="9248443"/>
           </a:xfrm>
           <a:prstGeom prst="rect">
             <a:avLst/>
@@ -3213,14 +3305,14 @@
           <p:nvPr/>
         </p:nvPicPr>
         <p:blipFill rotWithShape="1">
-          <a:blip r:embed="rId3"/>
+          <a:blip r:embed="rId4"/>
           <a:srcRect t="7793"/>
           <a:stretch/>
         </p:blipFill>
         <p:spPr>
           <a:xfrm>
-            <a:off x="1220350" y="16075671"/>
-            <a:ext cx="7919999" cy="7860526"/>
+            <a:off x="1428291" y="15097762"/>
+            <a:ext cx="7158968" cy="8838435"/>
           </a:xfrm>
           <a:prstGeom prst="rect">
             <a:avLst/>
@@ -3242,44 +3334,15 @@
           <p:nvPr/>
         </p:nvPicPr>
         <p:blipFill>
-          <a:blip r:embed="rId7"/>
+          <a:blip r:embed="rId5"/>
           <a:stretch>
             <a:fillRect/>
           </a:stretch>
         </p:blipFill>
         <p:spPr>
           <a:xfrm>
-            <a:off x="10975347" y="16071540"/>
-            <a:ext cx="6033987" cy="7792647"/>
-          </a:xfrm>
-          <a:prstGeom prst="rect">
-            <a:avLst/>
-          </a:prstGeom>
-        </p:spPr>
-      </p:pic>
-      <p:pic>
-        <p:nvPicPr>
-          <p:cNvPr id="21" name="Grafik 20">
-            <a:extLst>
-              <a:ext uri="{FF2B5EF4-FFF2-40B4-BE49-F238E27FC236}">
-                <a16:creationId xmlns:a16="http://schemas.microsoft.com/office/drawing/2014/main" id="{6DDC9299-D02B-2447-A516-C247A5B84058}"/>
-              </a:ext>
-            </a:extLst>
-          </p:cNvPr>
-          <p:cNvPicPr>
-            <a:picLocks noChangeAspect="1"/>
-          </p:cNvPicPr>
-          <p:nvPr/>
-        </p:nvPicPr>
-        <p:blipFill rotWithShape="1">
-          <a:blip r:embed="rId3"/>
-          <a:srcRect t="7793"/>
-          <a:stretch/>
-        </p:blipFill>
-        <p:spPr>
-          <a:xfrm>
-            <a:off x="1242443" y="26660846"/>
-            <a:ext cx="7919999" cy="8014020"/>
+            <a:off x="9762813" y="15130208"/>
+            <a:ext cx="7214234" cy="8829753"/>
           </a:xfrm>
           <a:prstGeom prst="rect">
             <a:avLst/>
@@ -3301,14 +3364,14 @@
           <p:nvPr/>
         </p:nvPicPr>
         <p:blipFill rotWithShape="1">
-          <a:blip r:embed="rId8"/>
+          <a:blip r:embed="rId6"/>
           <a:srcRect l="1188" t="2012" b="1806"/>
           <a:stretch/>
         </p:blipFill>
         <p:spPr>
           <a:xfrm>
-            <a:off x="2191256" y="26852452"/>
-            <a:ext cx="6010007" cy="7780095"/>
+            <a:off x="1428291" y="25416101"/>
+            <a:ext cx="7091448" cy="9180045"/>
           </a:xfrm>
           <a:prstGeom prst="rect">
             <a:avLst/>

--- a/lib/covidapp/Assets/Long_Covid_App_Poster.pptx
+++ b/lib/covidapp/Assets/Long_Covid_App_Poster.pptx
@@ -239,7 +239,7 @@
             <a:fld id="{58467270-D8F1-4898-95C1-7E69E31A334E}" type="datetimeFigureOut">
               <a:rPr lang="de-DE" smtClean="0"/>
               <a:pPr/>
-              <a:t>22.03.22</a:t>
+              <a:t>19.05.2022</a:t>
             </a:fld>
             <a:endParaRPr lang="en-GB"/>
           </a:p>
@@ -1820,8 +1820,8 @@
         </p:nvSpPr>
         <p:spPr bwMode="auto">
           <a:xfrm>
-            <a:off x="18700057" y="15762797"/>
-            <a:ext cx="10678077" cy="25299649"/>
+            <a:off x="18700057" y="15067558"/>
+            <a:ext cx="10678077" cy="26530756"/>
           </a:xfrm>
           <a:prstGeom prst="rect">
             <a:avLst/>
@@ -2003,7 +2003,7 @@
             </a:pPr>
             <a:r>
               <a:rPr lang="de-AT" sz="4000" i="0" dirty="0"/>
-              <a:t>Anhand der WHO-Publikationen wurden die am häufigsten auftretenden Symptome analysiert. Einige Übungen, die diese Symptome lindern können, wurden in der App implementiert. </a:t>
+              <a:t>Anhand der WHO- und RKI-Publikationen wurden die am häufigsten auftretenden Symptome analysiert. Einige Übungen, die diese Symptome durch messbare Werte abbilden, wurden in der App implementiert. </a:t>
             </a:r>
           </a:p>
           <a:p>
@@ -2025,7 +2025,7 @@
             </a:pPr>
             <a:r>
               <a:rPr lang="de-AT" sz="4000" i="0" dirty="0"/>
-              <a:t>Die App bietet Patienten Funktionen zur Analyse und Behandlung der am häufigsten auftretenden Symptome (Atemübungen, Pulsmessung). Zudem können Patienten täglich einen Fragebogen ausfüllen und Rückmeldung  zu ihrem emotionalen und physischen Gesundheitszustand erhalten. Anhand eines digitalen Tagebuchs werden diese Daten gespeichert und grafisch dargestellt. Somit kann der Patient seinen Genesungsverlauf täglich verfolgen. </a:t>
+              <a:t>Die App bietet Patienten Funktionen zur Analyse und Überwachung  der am häufigsten auftretenden Symptome (Atemübungen, Pulsmessung, Symptomtracking). Zudem können Patienten täglich einen Fragebogen ausfüllen und Rückmeldung  zu ihrem emotionalen und physischen Gesundheitszustand erhalten. Anhand eines digitalen Tagebuchs werden diese Daten gespeichert und grafisch dargestellt. Somit kann der Patient seinen Genesungsverlauf täglich verfolgen. </a:t>
             </a:r>
           </a:p>
           <a:p>
@@ -2401,7 +2401,7 @@
             </a:pPr>
             <a:r>
               <a:rPr lang="de-AT" sz="4000" b="1" i="0" dirty="0"/>
-              <a:t>References</a:t>
+              <a:t>Referenzen</a:t>
             </a:r>
           </a:p>
           <a:p>
@@ -2423,49 +2423,41 @@
             </a:r>
             <a:r>
               <a:rPr lang="de-AT" sz="3200" dirty="0"/>
-              <a:t>.). </a:t>
+              <a:t>.). abgerufen März 22, 2022, von https://www.rki.de/SharedDocs/FAQ/NCOV2019/FAQ_Liste_Gesundheitliche_Langzeitfolgen.html </a:t>
+            </a:r>
+          </a:p>
+          <a:p>
+            <a:r>
+              <a:rPr lang="de-AT" sz="3200" dirty="0"/>
+              <a:t>World </a:t>
             </a:r>
             <a:r>
               <a:rPr lang="de-AT" sz="3200" dirty="0" err="1"/>
-              <a:t>Retrieved</a:t>
-            </a:r>
-            <a:r>
-              <a:rPr lang="de-AT" sz="3200" dirty="0"/>
-              <a:t> March 22, 2022, von https://</a:t>
-            </a:r>
-            <a:r>
-              <a:rPr lang="de-AT" sz="3200" dirty="0" err="1"/>
-              <a:t>www.rki.de</a:t>
-            </a:r>
-            <a:r>
-              <a:rPr lang="de-AT" sz="3200" dirty="0"/>
-              <a:t>/</a:t>
-            </a:r>
-            <a:r>
-              <a:rPr lang="de-AT" sz="3200" dirty="0" err="1"/>
-              <a:t>SharedDocs</a:t>
-            </a:r>
-            <a:r>
-              <a:rPr lang="de-AT" sz="3200" dirty="0"/>
-              <a:t>/FAQ/NCOV2019/</a:t>
-            </a:r>
-            <a:r>
-              <a:rPr lang="de-AT" sz="3200" dirty="0" err="1"/>
-              <a:t>FAQ_Liste_Gesundheitliche_Langzeitfolgen.html</a:t>
+              <a:t>Health</a:t>
             </a:r>
             <a:r>
               <a:rPr lang="de-AT" sz="3200" dirty="0"/>
               <a:t> </a:t>
             </a:r>
-          </a:p>
-          <a:p>
+            <a:r>
+              <a:rPr lang="de-AT" sz="3200" dirty="0" err="1"/>
+              <a:t>Organization</a:t>
+            </a:r>
             <a:r>
               <a:rPr lang="de-AT" sz="3200" dirty="0"/>
-              <a:t>World </a:t>
+              <a:t>. (</a:t>
             </a:r>
             <a:r>
               <a:rPr lang="de-AT" sz="3200" dirty="0" err="1"/>
-              <a:t>Health</a:t>
+              <a:t>n.d</a:t>
+            </a:r>
+            <a:r>
+              <a:rPr lang="de-AT" sz="3200" dirty="0"/>
+              <a:t>.). A </a:t>
+            </a:r>
+            <a:r>
+              <a:rPr lang="de-AT" sz="3200" dirty="0" err="1"/>
+              <a:t>clinical</a:t>
             </a:r>
             <a:r>
               <a:rPr lang="de-AT" sz="3200" dirty="0"/>
@@ -2473,23 +2465,7 @@
             </a:r>
             <a:r>
               <a:rPr lang="de-AT" sz="3200" dirty="0" err="1"/>
-              <a:t>Organization</a:t>
-            </a:r>
-            <a:r>
-              <a:rPr lang="de-AT" sz="3200" dirty="0"/>
-              <a:t>. (</a:t>
-            </a:r>
-            <a:r>
-              <a:rPr lang="de-AT" sz="3200" dirty="0" err="1"/>
-              <a:t>n.d</a:t>
-            </a:r>
-            <a:r>
-              <a:rPr lang="de-AT" sz="3200" dirty="0"/>
-              <a:t>.). A </a:t>
-            </a:r>
-            <a:r>
-              <a:rPr lang="de-AT" sz="3200" dirty="0" err="1"/>
-              <a:t>clinical</a:t>
+              <a:t>case</a:t>
             </a:r>
             <a:r>
               <a:rPr lang="de-AT" sz="3200" dirty="0"/>
@@ -2497,7 +2473,7 @@
             </a:r>
             <a:r>
               <a:rPr lang="de-AT" sz="3200" dirty="0" err="1"/>
-              <a:t>case</a:t>
+              <a:t>definition</a:t>
             </a:r>
             <a:r>
               <a:rPr lang="de-AT" sz="3200" dirty="0"/>
@@ -2505,7 +2481,7 @@
             </a:r>
             <a:r>
               <a:rPr lang="de-AT" sz="3200" dirty="0" err="1"/>
-              <a:t>definition</a:t>
+              <a:t>of</a:t>
             </a:r>
             <a:r>
               <a:rPr lang="de-AT" sz="3200" dirty="0"/>
@@ -2513,7 +2489,15 @@
             </a:r>
             <a:r>
               <a:rPr lang="de-AT" sz="3200" dirty="0" err="1"/>
-              <a:t>of</a:t>
+              <a:t>post</a:t>
+            </a:r>
+            <a:r>
+              <a:rPr lang="de-AT" sz="3200" dirty="0"/>
+              <a:t> covid-19 </a:t>
+            </a:r>
+            <a:r>
+              <a:rPr lang="de-AT" sz="3200" dirty="0" err="1"/>
+              <a:t>condition</a:t>
             </a:r>
             <a:r>
               <a:rPr lang="de-AT" sz="3200" dirty="0"/>
@@ -2521,22 +2505,6 @@
             </a:r>
             <a:r>
               <a:rPr lang="de-AT" sz="3200" dirty="0" err="1"/>
-              <a:t>post</a:t>
-            </a:r>
-            <a:r>
-              <a:rPr lang="de-AT" sz="3200" dirty="0"/>
-              <a:t> covid-19 </a:t>
-            </a:r>
-            <a:r>
-              <a:rPr lang="de-AT" sz="3200" dirty="0" err="1"/>
-              <a:t>condition</a:t>
-            </a:r>
-            <a:r>
-              <a:rPr lang="de-AT" sz="3200" dirty="0"/>
-              <a:t> </a:t>
-            </a:r>
-            <a:r>
-              <a:rPr lang="de-AT" sz="3200" dirty="0" err="1"/>
               <a:t>by</a:t>
             </a:r>
             <a:r>
@@ -2549,15 +2517,7 @@
             </a:r>
             <a:r>
               <a:rPr lang="de-AT" sz="3200" dirty="0"/>
-              <a:t> 2021. World </a:t>
-            </a:r>
-            <a:r>
-              <a:rPr lang="de-AT" sz="3200" dirty="0" err="1"/>
-              <a:t>Health</a:t>
-            </a:r>
-            <a:r>
-              <a:rPr lang="de-AT" sz="3200" dirty="0"/>
-              <a:t> </a:t>
+              <a:t> 2021. World Health </a:t>
             </a:r>
             <a:r>
               <a:rPr lang="de-AT" sz="3200" dirty="0" err="1"/>
@@ -2565,31 +2525,7 @@
             </a:r>
             <a:r>
               <a:rPr lang="de-AT" sz="3200" dirty="0"/>
-              <a:t>. </a:t>
-            </a:r>
-            <a:r>
-              <a:rPr lang="de-AT" sz="3200" dirty="0" err="1"/>
-              <a:t>Retrieved</a:t>
-            </a:r>
-            <a:r>
-              <a:rPr lang="de-AT" sz="3200" dirty="0"/>
-              <a:t> March 22, 2022, von https://</a:t>
-            </a:r>
-            <a:r>
-              <a:rPr lang="de-AT" sz="3200" dirty="0" err="1"/>
-              <a:t>www.who.int</a:t>
-            </a:r>
-            <a:r>
-              <a:rPr lang="de-AT" sz="3200" dirty="0"/>
-              <a:t>/</a:t>
-            </a:r>
-            <a:r>
-              <a:rPr lang="de-AT" sz="3200" dirty="0" err="1"/>
-              <a:t>publications</a:t>
-            </a:r>
-            <a:r>
-              <a:rPr lang="de-AT" sz="3200" dirty="0"/>
-              <a:t>/i/item/WHO-2019-nCoV-Post_COVID-19_condition-Clinical_case_definition-2021.1 </a:t>
+              <a:t>. abgerufen März 22, 2022, von https://www.who.int/publications/i/item/WHO-2019-nCoV-Post_COVID-19_condition-Clinical_case_definition-2021.1 </a:t>
             </a:r>
           </a:p>
           <a:p>
@@ -2612,7 +2548,7 @@
         </p:nvSpPr>
         <p:spPr bwMode="auto">
           <a:xfrm>
-            <a:off x="815736" y="23987704"/>
+            <a:off x="1178084" y="23987704"/>
             <a:ext cx="8417287" cy="985301"/>
           </a:xfrm>
           <a:prstGeom prst="rect">
@@ -2776,7 +2712,7 @@
         </p:nvSpPr>
         <p:spPr bwMode="auto">
           <a:xfrm>
-            <a:off x="9645008" y="23961949"/>
+            <a:off x="9523363" y="23961949"/>
             <a:ext cx="8570196" cy="985301"/>
           </a:xfrm>
           <a:prstGeom prst="rect">
@@ -2941,7 +2877,7 @@
         </p:nvSpPr>
         <p:spPr bwMode="auto">
           <a:xfrm>
-            <a:off x="869740" y="34676545"/>
+            <a:off x="1142078" y="34676545"/>
             <a:ext cx="8309277" cy="985301"/>
           </a:xfrm>
           <a:prstGeom prst="rect">
@@ -3106,7 +3042,7 @@
         </p:nvSpPr>
         <p:spPr bwMode="auto">
           <a:xfrm>
-            <a:off x="9837703" y="34674866"/>
+            <a:off x="9667379" y="34674866"/>
             <a:ext cx="8309277" cy="985301"/>
           </a:xfrm>
           <a:prstGeom prst="rect">
@@ -3282,7 +3218,7 @@
         </p:blipFill>
         <p:spPr>
           <a:xfrm>
-            <a:off x="9739946" y="25347703"/>
+            <a:off x="9797961" y="25347703"/>
             <a:ext cx="7214234" cy="9248443"/>
           </a:xfrm>
           <a:prstGeom prst="rect">
@@ -3370,8 +3306,8 @@
         </p:blipFill>
         <p:spPr>
           <a:xfrm>
-            <a:off x="1428291" y="25416101"/>
-            <a:ext cx="7091448" cy="9180045"/>
+            <a:off x="1428290" y="25387209"/>
+            <a:ext cx="7113767" cy="9208937"/>
           </a:xfrm>
           <a:prstGeom prst="rect">
             <a:avLst/>
